--- a/INSURANCEPPT.pptx
+++ b/INSURANCEPPT.pptx
@@ -9,15 +9,17 @@
     <p:sldId id="257" r:id="rId3"/>
     <p:sldId id="258" r:id="rId4"/>
     <p:sldId id="259" r:id="rId5"/>
-    <p:sldId id="261" r:id="rId6"/>
-    <p:sldId id="268" r:id="rId7"/>
-    <p:sldId id="267" r:id="rId8"/>
-    <p:sldId id="266" r:id="rId9"/>
-    <p:sldId id="265" r:id="rId10"/>
-    <p:sldId id="264" r:id="rId11"/>
-    <p:sldId id="263" r:id="rId12"/>
-    <p:sldId id="262" r:id="rId13"/>
-    <p:sldId id="269" r:id="rId14"/>
+    <p:sldId id="270" r:id="rId6"/>
+    <p:sldId id="271" r:id="rId7"/>
+    <p:sldId id="261" r:id="rId8"/>
+    <p:sldId id="268" r:id="rId9"/>
+    <p:sldId id="267" r:id="rId10"/>
+    <p:sldId id="266" r:id="rId11"/>
+    <p:sldId id="265" r:id="rId12"/>
+    <p:sldId id="264" r:id="rId13"/>
+    <p:sldId id="263" r:id="rId14"/>
+    <p:sldId id="262" r:id="rId15"/>
+    <p:sldId id="269" r:id="rId16"/>
   </p:sldIdLst>
   <p:sldSz cx="12192000" cy="6858000"/>
   <p:notesSz cx="6858000" cy="9144000"/>
@@ -116,6 +118,11 @@
       </a:defRPr>
     </a:lvl9pPr>
   </p:defaultTextStyle>
+  <p:extLst>
+    <p:ext uri="{EFAFB233-063F-42B5-8137-9DF3F51BA10A}">
+      <p15:sldGuideLst xmlns:p15="http://schemas.microsoft.com/office/powerpoint/2012/main"/>
+    </p:ext>
+  </p:extLst>
 </p:presentation>
 </file>
 
@@ -163,7 +170,7 @@
           </a:lstStyle>
           <a:p>
             <a:r>
-              <a:rPr lang="en-US" smtClean="0"/>
+              <a:rPr lang="en-US"/>
               <a:t>Click to edit Master title style</a:t>
             </a:r>
             <a:endParaRPr lang="en-US" dirty="0"/>
@@ -283,7 +290,7 @@
           </a:lstStyle>
           <a:p>
             <a:r>
-              <a:rPr lang="en-US" smtClean="0"/>
+              <a:rPr lang="en-US"/>
               <a:t>Click to edit Master subtitle style</a:t>
             </a:r>
             <a:endParaRPr lang="en-US" dirty="0"/>
@@ -308,7 +315,7 @@
             <a:fld id="{B61BEF0D-F0BB-DE4B-95CE-6DB70DBA9567}" type="datetimeFigureOut">
               <a:rPr lang="en-US" dirty="0"/>
               <a:pPr/>
-              <a:t>6/25/2018</a:t>
+              <a:t>6/26/2018</a:t>
             </a:fld>
             <a:endParaRPr lang="en-US" dirty="0"/>
           </a:p>
@@ -496,7 +503,7 @@
           </a:lstStyle>
           <a:p>
             <a:r>
-              <a:rPr lang="en-US" smtClean="0"/>
+              <a:rPr lang="en-US"/>
               <a:t>Click to edit Master title style</a:t>
             </a:r>
             <a:endParaRPr lang="en-US" dirty="0"/>
@@ -619,7 +626,7 @@
           <a:p>
             <a:pPr lvl="0"/>
             <a:r>
-              <a:rPr lang="en-US" smtClean="0"/>
+              <a:rPr lang="en-US"/>
               <a:t>Edit Master text styles</a:t>
             </a:r>
           </a:p>
@@ -643,7 +650,7 @@
             <a:fld id="{B61BEF0D-F0BB-DE4B-95CE-6DB70DBA9567}" type="datetimeFigureOut">
               <a:rPr lang="en-US" dirty="0"/>
               <a:pPr/>
-              <a:t>6/25/2018</a:t>
+              <a:t>6/26/2018</a:t>
             </a:fld>
             <a:endParaRPr lang="en-US" dirty="0"/>
           </a:p>
@@ -831,7 +838,7 @@
           </a:lstStyle>
           <a:p>
             <a:r>
-              <a:rPr lang="en-US" smtClean="0"/>
+              <a:rPr lang="en-US"/>
               <a:t>Click to edit Master title style</a:t>
             </a:r>
             <a:endParaRPr lang="en-US" dirty="0"/>
@@ -895,7 +902,7 @@
           <a:p>
             <a:pPr lvl="0"/>
             <a:r>
-              <a:rPr lang="en-US" smtClean="0"/>
+              <a:rPr lang="en-US"/>
               <a:t>Edit Master text styles</a:t>
             </a:r>
           </a:p>
@@ -1017,7 +1024,7 @@
           <a:p>
             <a:pPr lvl="0"/>
             <a:r>
-              <a:rPr lang="en-US" smtClean="0"/>
+              <a:rPr lang="en-US"/>
               <a:t>Edit Master text styles</a:t>
             </a:r>
           </a:p>
@@ -1041,7 +1048,7 @@
             <a:fld id="{B61BEF0D-F0BB-DE4B-95CE-6DB70DBA9567}" type="datetimeFigureOut">
               <a:rPr lang="en-US" dirty="0"/>
               <a:pPr/>
-              <a:t>6/25/2018</a:t>
+              <a:t>6/26/2018</a:t>
             </a:fld>
             <a:endParaRPr lang="en-US" dirty="0"/>
           </a:p>
@@ -1305,7 +1312,7 @@
           </a:lstStyle>
           <a:p>
             <a:r>
-              <a:rPr lang="en-US" smtClean="0"/>
+              <a:rPr lang="en-US"/>
               <a:t>Click to edit Master title style</a:t>
             </a:r>
             <a:endParaRPr lang="en-US" dirty="0"/>
@@ -1350,7 +1357,7 @@
               <a:buNone/>
             </a:pPr>
             <a:r>
-              <a:rPr lang="en-US" smtClean="0"/>
+              <a:rPr lang="en-US"/>
               <a:t>Edit Master text styles</a:t>
             </a:r>
           </a:p>
@@ -1374,7 +1381,7 @@
             <a:fld id="{B61BEF0D-F0BB-DE4B-95CE-6DB70DBA9567}" type="datetimeFigureOut">
               <a:rPr lang="en-US" dirty="0"/>
               <a:pPr/>
-              <a:t>6/25/2018</a:t>
+              <a:t>6/26/2018</a:t>
             </a:fld>
             <a:endParaRPr lang="en-US" dirty="0"/>
           </a:p>
@@ -1562,7 +1569,7 @@
           </a:lstStyle>
           <a:p>
             <a:r>
-              <a:rPr lang="en-US" smtClean="0"/>
+              <a:rPr lang="en-US"/>
               <a:t>Click to edit Master title style</a:t>
             </a:r>
             <a:endParaRPr lang="en-US" dirty="0"/>
@@ -1623,7 +1630,7 @@
           <a:p>
             <a:pPr lvl="0"/>
             <a:r>
-              <a:rPr lang="en-US" smtClean="0"/>
+              <a:rPr lang="en-US"/>
               <a:t>Edit Master text styles</a:t>
             </a:r>
           </a:p>
@@ -1667,7 +1674,7 @@
               <a:buNone/>
             </a:pPr>
             <a:r>
-              <a:rPr lang="en-US" smtClean="0"/>
+              <a:rPr lang="en-US"/>
               <a:t>Edit Master text styles</a:t>
             </a:r>
           </a:p>
@@ -1691,7 +1698,7 @@
             <a:fld id="{B61BEF0D-F0BB-DE4B-95CE-6DB70DBA9567}" type="datetimeFigureOut">
               <a:rPr lang="en-US" dirty="0"/>
               <a:pPr/>
-              <a:t>6/25/2018</a:t>
+              <a:t>6/26/2018</a:t>
             </a:fld>
             <a:endParaRPr lang="en-US" dirty="0"/>
           </a:p>
@@ -1955,7 +1962,7 @@
           </a:lstStyle>
           <a:p>
             <a:r>
-              <a:rPr lang="en-US" smtClean="0"/>
+              <a:rPr lang="en-US"/>
               <a:t>Click to edit Master title style</a:t>
             </a:r>
             <a:endParaRPr lang="en-US" dirty="0"/>
@@ -2016,7 +2023,7 @@
           <a:p>
             <a:pPr lvl="0"/>
             <a:r>
-              <a:rPr lang="en-US" smtClean="0"/>
+              <a:rPr lang="en-US"/>
               <a:t>Edit Master text styles</a:t>
             </a:r>
           </a:p>
@@ -2060,7 +2067,7 @@
               <a:buNone/>
             </a:pPr>
             <a:r>
-              <a:rPr lang="en-US" smtClean="0"/>
+              <a:rPr lang="en-US"/>
               <a:t>Edit Master text styles</a:t>
             </a:r>
           </a:p>
@@ -2084,7 +2091,7 @@
             <a:fld id="{B61BEF0D-F0BB-DE4B-95CE-6DB70DBA9567}" type="datetimeFigureOut">
               <a:rPr lang="en-US" dirty="0"/>
               <a:pPr/>
-              <a:t>6/25/2018</a:t>
+              <a:t>6/26/2018</a:t>
             </a:fld>
             <a:endParaRPr lang="en-US" dirty="0"/>
           </a:p>
@@ -2261,7 +2268,7 @@
           <a:lstStyle/>
           <a:p>
             <a:r>
-              <a:rPr lang="en-US" smtClean="0"/>
+              <a:rPr lang="en-US"/>
               <a:t>Click to edit Master title style</a:t>
             </a:r>
             <a:endParaRPr lang="en-US" dirty="0"/>
@@ -2285,35 +2292,35 @@
           <a:p>
             <a:pPr lvl="0"/>
             <a:r>
-              <a:rPr lang="en-US" smtClean="0"/>
+              <a:rPr lang="en-US"/>
               <a:t>Edit Master text styles</a:t>
             </a:r>
           </a:p>
           <a:p>
             <a:pPr lvl="1"/>
             <a:r>
-              <a:rPr lang="en-US" smtClean="0"/>
+              <a:rPr lang="en-US"/>
               <a:t>Second level</a:t>
             </a:r>
           </a:p>
           <a:p>
             <a:pPr lvl="2"/>
             <a:r>
-              <a:rPr lang="en-US" smtClean="0"/>
+              <a:rPr lang="en-US"/>
               <a:t>Third level</a:t>
             </a:r>
           </a:p>
           <a:p>
             <a:pPr lvl="3"/>
             <a:r>
-              <a:rPr lang="en-US" smtClean="0"/>
+              <a:rPr lang="en-US"/>
               <a:t>Fourth level</a:t>
             </a:r>
           </a:p>
           <a:p>
             <a:pPr lvl="4"/>
             <a:r>
-              <a:rPr lang="en-US" smtClean="0"/>
+              <a:rPr lang="en-US"/>
               <a:t>Fifth level</a:t>
             </a:r>
             <a:endParaRPr lang="en-US" dirty="0"/>
@@ -2338,7 +2345,7 @@
             <a:fld id="{B61BEF0D-F0BB-DE4B-95CE-6DB70DBA9567}" type="datetimeFigureOut">
               <a:rPr lang="en-US" dirty="0"/>
               <a:pPr/>
-              <a:t>6/25/2018</a:t>
+              <a:t>6/26/2018</a:t>
             </a:fld>
             <a:endParaRPr lang="en-US" dirty="0"/>
           </a:p>
@@ -2515,7 +2522,7 @@
           <a:lstStyle/>
           <a:p>
             <a:r>
-              <a:rPr lang="en-US" smtClean="0"/>
+              <a:rPr lang="en-US"/>
               <a:t>Click to edit Master title style</a:t>
             </a:r>
             <a:endParaRPr lang="en-US" dirty="0"/>
@@ -2544,35 +2551,35 @@
           <a:p>
             <a:pPr lvl="0"/>
             <a:r>
-              <a:rPr lang="en-US" smtClean="0"/>
+              <a:rPr lang="en-US"/>
               <a:t>Edit Master text styles</a:t>
             </a:r>
           </a:p>
           <a:p>
             <a:pPr lvl="1"/>
             <a:r>
-              <a:rPr lang="en-US" smtClean="0"/>
+              <a:rPr lang="en-US"/>
               <a:t>Second level</a:t>
             </a:r>
           </a:p>
           <a:p>
             <a:pPr lvl="2"/>
             <a:r>
-              <a:rPr lang="en-US" smtClean="0"/>
+              <a:rPr lang="en-US"/>
               <a:t>Third level</a:t>
             </a:r>
           </a:p>
           <a:p>
             <a:pPr lvl="3"/>
             <a:r>
-              <a:rPr lang="en-US" smtClean="0"/>
+              <a:rPr lang="en-US"/>
               <a:t>Fourth level</a:t>
             </a:r>
           </a:p>
           <a:p>
             <a:pPr lvl="4"/>
             <a:r>
-              <a:rPr lang="en-US" smtClean="0"/>
+              <a:rPr lang="en-US"/>
               <a:t>Fifth level</a:t>
             </a:r>
             <a:endParaRPr lang="en-US" dirty="0"/>
@@ -2597,7 +2604,7 @@
             <a:fld id="{B61BEF0D-F0BB-DE4B-95CE-6DB70DBA9567}" type="datetimeFigureOut">
               <a:rPr lang="en-US" dirty="0"/>
               <a:pPr/>
-              <a:t>6/25/2018</a:t>
+              <a:t>6/26/2018</a:t>
             </a:fld>
             <a:endParaRPr lang="en-US" dirty="0"/>
           </a:p>
@@ -2774,7 +2781,7 @@
           <a:lstStyle/>
           <a:p>
             <a:r>
-              <a:rPr lang="en-US" smtClean="0"/>
+              <a:rPr lang="en-US"/>
               <a:t>Click to edit Master title style</a:t>
             </a:r>
             <a:endParaRPr lang="en-US" dirty="0"/>
@@ -2803,35 +2810,35 @@
           <a:p>
             <a:pPr lvl="0"/>
             <a:r>
-              <a:rPr lang="en-US" smtClean="0"/>
+              <a:rPr lang="en-US"/>
               <a:t>Edit Master text styles</a:t>
             </a:r>
           </a:p>
           <a:p>
             <a:pPr lvl="1"/>
             <a:r>
-              <a:rPr lang="en-US" smtClean="0"/>
+              <a:rPr lang="en-US"/>
               <a:t>Second level</a:t>
             </a:r>
           </a:p>
           <a:p>
             <a:pPr lvl="2"/>
             <a:r>
-              <a:rPr lang="en-US" smtClean="0"/>
+              <a:rPr lang="en-US"/>
               <a:t>Third level</a:t>
             </a:r>
           </a:p>
           <a:p>
             <a:pPr lvl="3"/>
             <a:r>
-              <a:rPr lang="en-US" smtClean="0"/>
+              <a:rPr lang="en-US"/>
               <a:t>Fourth level</a:t>
             </a:r>
           </a:p>
           <a:p>
             <a:pPr lvl="4"/>
             <a:r>
-              <a:rPr lang="en-US" smtClean="0"/>
+              <a:rPr lang="en-US"/>
               <a:t>Fifth level</a:t>
             </a:r>
             <a:endParaRPr lang="en-US" dirty="0"/>
@@ -2856,7 +2863,7 @@
             <a:fld id="{B61BEF0D-F0BB-DE4B-95CE-6DB70DBA9567}" type="datetimeFigureOut">
               <a:rPr lang="en-US" dirty="0"/>
               <a:pPr/>
-              <a:t>6/25/2018</a:t>
+              <a:t>6/26/2018</a:t>
             </a:fld>
             <a:endParaRPr lang="en-US" dirty="0"/>
           </a:p>
@@ -3037,7 +3044,7 @@
           </a:lstStyle>
           <a:p>
             <a:r>
-              <a:rPr lang="en-US" smtClean="0"/>
+              <a:rPr lang="en-US"/>
               <a:t>Click to edit Master title style</a:t>
             </a:r>
             <a:endParaRPr lang="en-US" dirty="0"/>
@@ -3158,7 +3165,7 @@
           <a:p>
             <a:pPr lvl="0"/>
             <a:r>
-              <a:rPr lang="en-US" smtClean="0"/>
+              <a:rPr lang="en-US"/>
               <a:t>Edit Master text styles</a:t>
             </a:r>
           </a:p>
@@ -3182,7 +3189,7 @@
             <a:fld id="{B61BEF0D-F0BB-DE4B-95CE-6DB70DBA9567}" type="datetimeFigureOut">
               <a:rPr lang="en-US" dirty="0"/>
               <a:pPr/>
-              <a:t>6/25/2018</a:t>
+              <a:t>6/26/2018</a:t>
             </a:fld>
             <a:endParaRPr lang="en-US" dirty="0"/>
           </a:p>
@@ -3359,7 +3366,7 @@
           <a:lstStyle/>
           <a:p>
             <a:r>
-              <a:rPr lang="en-US" smtClean="0"/>
+              <a:rPr lang="en-US"/>
               <a:t>Click to edit Master title style</a:t>
             </a:r>
             <a:endParaRPr lang="en-US" dirty="0"/>
@@ -3390,35 +3397,35 @@
           <a:p>
             <a:pPr lvl="0"/>
             <a:r>
-              <a:rPr lang="en-US" smtClean="0"/>
+              <a:rPr lang="en-US"/>
               <a:t>Edit Master text styles</a:t>
             </a:r>
           </a:p>
           <a:p>
             <a:pPr lvl="1"/>
             <a:r>
-              <a:rPr lang="en-US" smtClean="0"/>
+              <a:rPr lang="en-US"/>
               <a:t>Second level</a:t>
             </a:r>
           </a:p>
           <a:p>
             <a:pPr lvl="2"/>
             <a:r>
-              <a:rPr lang="en-US" smtClean="0"/>
+              <a:rPr lang="en-US"/>
               <a:t>Third level</a:t>
             </a:r>
           </a:p>
           <a:p>
             <a:pPr lvl="3"/>
             <a:r>
-              <a:rPr lang="en-US" smtClean="0"/>
+              <a:rPr lang="en-US"/>
               <a:t>Fourth level</a:t>
             </a:r>
           </a:p>
           <a:p>
             <a:pPr lvl="4"/>
             <a:r>
-              <a:rPr lang="en-US" smtClean="0"/>
+              <a:rPr lang="en-US"/>
               <a:t>Fifth level</a:t>
             </a:r>
             <a:endParaRPr lang="en-US" dirty="0"/>
@@ -3449,35 +3456,35 @@
           <a:p>
             <a:pPr lvl="0"/>
             <a:r>
-              <a:rPr lang="en-US" smtClean="0"/>
+              <a:rPr lang="en-US"/>
               <a:t>Edit Master text styles</a:t>
             </a:r>
           </a:p>
           <a:p>
             <a:pPr lvl="1"/>
             <a:r>
-              <a:rPr lang="en-US" smtClean="0"/>
+              <a:rPr lang="en-US"/>
               <a:t>Second level</a:t>
             </a:r>
           </a:p>
           <a:p>
             <a:pPr lvl="2"/>
             <a:r>
-              <a:rPr lang="en-US" smtClean="0"/>
+              <a:rPr lang="en-US"/>
               <a:t>Third level</a:t>
             </a:r>
           </a:p>
           <a:p>
             <a:pPr lvl="3"/>
             <a:r>
-              <a:rPr lang="en-US" smtClean="0"/>
+              <a:rPr lang="en-US"/>
               <a:t>Fourth level</a:t>
             </a:r>
           </a:p>
           <a:p>
             <a:pPr lvl="4"/>
             <a:r>
-              <a:rPr lang="en-US" smtClean="0"/>
+              <a:rPr lang="en-US"/>
               <a:t>Fifth level</a:t>
             </a:r>
             <a:endParaRPr lang="en-US" dirty="0"/>
@@ -3502,7 +3509,7 @@
             <a:fld id="{B61BEF0D-F0BB-DE4B-95CE-6DB70DBA9567}" type="datetimeFigureOut">
               <a:rPr lang="en-US" dirty="0"/>
               <a:pPr/>
-              <a:t>6/25/2018</a:t>
+              <a:t>6/26/2018</a:t>
             </a:fld>
             <a:endParaRPr lang="en-US" dirty="0"/>
           </a:p>
@@ -3679,7 +3686,7 @@
           <a:lstStyle/>
           <a:p>
             <a:r>
-              <a:rPr lang="en-US" smtClean="0"/>
+              <a:rPr lang="en-US"/>
               <a:t>Click to edit Master title style</a:t>
             </a:r>
             <a:endParaRPr lang="en-US" dirty="0"/>
@@ -3747,7 +3754,7 @@
           <a:p>
             <a:pPr lvl="0"/>
             <a:r>
-              <a:rPr lang="en-US" smtClean="0"/>
+              <a:rPr lang="en-US"/>
               <a:t>Edit Master text styles</a:t>
             </a:r>
           </a:p>
@@ -3777,35 +3784,35 @@
           <a:p>
             <a:pPr lvl="0"/>
             <a:r>
-              <a:rPr lang="en-US" smtClean="0"/>
+              <a:rPr lang="en-US"/>
               <a:t>Edit Master text styles</a:t>
             </a:r>
           </a:p>
           <a:p>
             <a:pPr lvl="1"/>
             <a:r>
-              <a:rPr lang="en-US" smtClean="0"/>
+              <a:rPr lang="en-US"/>
               <a:t>Second level</a:t>
             </a:r>
           </a:p>
           <a:p>
             <a:pPr lvl="2"/>
             <a:r>
-              <a:rPr lang="en-US" smtClean="0"/>
+              <a:rPr lang="en-US"/>
               <a:t>Third level</a:t>
             </a:r>
           </a:p>
           <a:p>
             <a:pPr lvl="3"/>
             <a:r>
-              <a:rPr lang="en-US" smtClean="0"/>
+              <a:rPr lang="en-US"/>
               <a:t>Fourth level</a:t>
             </a:r>
           </a:p>
           <a:p>
             <a:pPr lvl="4"/>
             <a:r>
-              <a:rPr lang="en-US" smtClean="0"/>
+              <a:rPr lang="en-US"/>
               <a:t>Fifth level</a:t>
             </a:r>
             <a:endParaRPr lang="en-US" dirty="0"/>
@@ -3873,7 +3880,7 @@
           <a:p>
             <a:pPr lvl="0"/>
             <a:r>
-              <a:rPr lang="en-US" smtClean="0"/>
+              <a:rPr lang="en-US"/>
               <a:t>Edit Master text styles</a:t>
             </a:r>
           </a:p>
@@ -3903,35 +3910,35 @@
           <a:p>
             <a:pPr lvl="0"/>
             <a:r>
-              <a:rPr lang="en-US" smtClean="0"/>
+              <a:rPr lang="en-US"/>
               <a:t>Edit Master text styles</a:t>
             </a:r>
           </a:p>
           <a:p>
             <a:pPr lvl="1"/>
             <a:r>
-              <a:rPr lang="en-US" smtClean="0"/>
+              <a:rPr lang="en-US"/>
               <a:t>Second level</a:t>
             </a:r>
           </a:p>
           <a:p>
             <a:pPr lvl="2"/>
             <a:r>
-              <a:rPr lang="en-US" smtClean="0"/>
+              <a:rPr lang="en-US"/>
               <a:t>Third level</a:t>
             </a:r>
           </a:p>
           <a:p>
             <a:pPr lvl="3"/>
             <a:r>
-              <a:rPr lang="en-US" smtClean="0"/>
+              <a:rPr lang="en-US"/>
               <a:t>Fourth level</a:t>
             </a:r>
           </a:p>
           <a:p>
             <a:pPr lvl="4"/>
             <a:r>
-              <a:rPr lang="en-US" smtClean="0"/>
+              <a:rPr lang="en-US"/>
               <a:t>Fifth level</a:t>
             </a:r>
             <a:endParaRPr lang="en-US" dirty="0"/>
@@ -3956,7 +3963,7 @@
             <a:fld id="{B61BEF0D-F0BB-DE4B-95CE-6DB70DBA9567}" type="datetimeFigureOut">
               <a:rPr lang="en-US" dirty="0"/>
               <a:pPr/>
-              <a:t>6/25/2018</a:t>
+              <a:t>6/26/2018</a:t>
             </a:fld>
             <a:endParaRPr lang="en-US" dirty="0"/>
           </a:p>
@@ -4133,7 +4140,7 @@
           <a:lstStyle/>
           <a:p>
             <a:r>
-              <a:rPr lang="en-US" smtClean="0"/>
+              <a:rPr lang="en-US"/>
               <a:t>Click to edit Master title style</a:t>
             </a:r>
             <a:endParaRPr lang="en-US" dirty="0"/>
@@ -4158,7 +4165,7 @@
             <a:fld id="{B61BEF0D-F0BB-DE4B-95CE-6DB70DBA9567}" type="datetimeFigureOut">
               <a:rPr lang="en-US" dirty="0"/>
               <a:pPr/>
-              <a:t>6/25/2018</a:t>
+              <a:t>6/26/2018</a:t>
             </a:fld>
             <a:endParaRPr lang="en-US" dirty="0"/>
           </a:p>
@@ -4332,7 +4339,7 @@
             <a:fld id="{B61BEF0D-F0BB-DE4B-95CE-6DB70DBA9567}" type="datetimeFigureOut">
               <a:rPr lang="en-US" dirty="0"/>
               <a:pPr/>
-              <a:t>6/25/2018</a:t>
+              <a:t>6/26/2018</a:t>
             </a:fld>
             <a:endParaRPr lang="en-US" dirty="0"/>
           </a:p>
@@ -4513,7 +4520,7 @@
           </a:lstStyle>
           <a:p>
             <a:r>
-              <a:rPr lang="en-US" smtClean="0"/>
+              <a:rPr lang="en-US"/>
               <a:t>Click to edit Master title style</a:t>
             </a:r>
             <a:endParaRPr lang="en-US" dirty="0"/>
@@ -4544,35 +4551,35 @@
           <a:p>
             <a:pPr lvl="0"/>
             <a:r>
-              <a:rPr lang="en-US" smtClean="0"/>
+              <a:rPr lang="en-US"/>
               <a:t>Edit Master text styles</a:t>
             </a:r>
           </a:p>
           <a:p>
             <a:pPr lvl="1"/>
             <a:r>
-              <a:rPr lang="en-US" smtClean="0"/>
+              <a:rPr lang="en-US"/>
               <a:t>Second level</a:t>
             </a:r>
           </a:p>
           <a:p>
             <a:pPr lvl="2"/>
             <a:r>
-              <a:rPr lang="en-US" smtClean="0"/>
+              <a:rPr lang="en-US"/>
               <a:t>Third level</a:t>
             </a:r>
           </a:p>
           <a:p>
             <a:pPr lvl="3"/>
             <a:r>
-              <a:rPr lang="en-US" smtClean="0"/>
+              <a:rPr lang="en-US"/>
               <a:t>Fourth level</a:t>
             </a:r>
           </a:p>
           <a:p>
             <a:pPr lvl="4"/>
             <a:r>
-              <a:rPr lang="en-US" smtClean="0"/>
+              <a:rPr lang="en-US"/>
               <a:t>Fifth level</a:t>
             </a:r>
             <a:endParaRPr lang="en-US" dirty="0"/>
@@ -4638,7 +4645,7 @@
           <a:p>
             <a:pPr lvl="0"/>
             <a:r>
-              <a:rPr lang="en-US" smtClean="0"/>
+              <a:rPr lang="en-US"/>
               <a:t>Edit Master text styles</a:t>
             </a:r>
           </a:p>
@@ -4662,7 +4669,7 @@
             <a:fld id="{B61BEF0D-F0BB-DE4B-95CE-6DB70DBA9567}" type="datetimeFigureOut">
               <a:rPr lang="en-US" dirty="0"/>
               <a:pPr/>
-              <a:t>6/25/2018</a:t>
+              <a:t>6/26/2018</a:t>
             </a:fld>
             <a:endParaRPr lang="en-US" dirty="0"/>
           </a:p>
@@ -4845,7 +4852,7 @@
           </a:lstStyle>
           <a:p>
             <a:r>
-              <a:rPr lang="en-US" smtClean="0"/>
+              <a:rPr lang="en-US"/>
               <a:t>Click to edit Master title style</a:t>
             </a:r>
             <a:endParaRPr lang="en-US" dirty="0"/>
@@ -4912,7 +4919,7 @@
           </a:lstStyle>
           <a:p>
             <a:r>
-              <a:rPr lang="en-US" smtClean="0"/>
+              <a:rPr lang="en-US"/>
               <a:t>Click icon to add picture</a:t>
             </a:r>
             <a:endParaRPr lang="en-US" dirty="0"/>
@@ -4980,7 +4987,7 @@
           <a:p>
             <a:pPr lvl="0"/>
             <a:r>
-              <a:rPr lang="en-US" smtClean="0"/>
+              <a:rPr lang="en-US"/>
               <a:t>Edit Master text styles</a:t>
             </a:r>
           </a:p>
@@ -5004,7 +5011,7 @@
             <a:fld id="{B61BEF0D-F0BB-DE4B-95CE-6DB70DBA9567}" type="datetimeFigureOut">
               <a:rPr lang="en-US" dirty="0"/>
               <a:pPr/>
-              <a:t>6/25/2018</a:t>
+              <a:t>6/26/2018</a:t>
             </a:fld>
             <a:endParaRPr lang="en-US" dirty="0"/>
           </a:p>
@@ -7013,7 +7020,7 @@
           <a:lstStyle/>
           <a:p>
             <a:r>
-              <a:rPr lang="en-US" smtClean="0"/>
+              <a:rPr lang="en-US"/>
               <a:t>Click to edit Master title style</a:t>
             </a:r>
             <a:endParaRPr lang="en-US" dirty="0"/>
@@ -7047,35 +7054,35 @@
           <a:p>
             <a:pPr lvl="0"/>
             <a:r>
-              <a:rPr lang="en-US" smtClean="0"/>
+              <a:rPr lang="en-US"/>
               <a:t>Edit Master text styles</a:t>
             </a:r>
           </a:p>
           <a:p>
             <a:pPr lvl="1"/>
             <a:r>
-              <a:rPr lang="en-US" smtClean="0"/>
+              <a:rPr lang="en-US"/>
               <a:t>Second level</a:t>
             </a:r>
           </a:p>
           <a:p>
             <a:pPr lvl="2"/>
             <a:r>
-              <a:rPr lang="en-US" smtClean="0"/>
+              <a:rPr lang="en-US"/>
               <a:t>Third level</a:t>
             </a:r>
           </a:p>
           <a:p>
             <a:pPr lvl="3"/>
             <a:r>
-              <a:rPr lang="en-US" smtClean="0"/>
+              <a:rPr lang="en-US"/>
               <a:t>Fourth level</a:t>
             </a:r>
           </a:p>
           <a:p>
             <a:pPr lvl="4"/>
             <a:r>
-              <a:rPr lang="en-US" smtClean="0"/>
+              <a:rPr lang="en-US"/>
               <a:t>Fifth level</a:t>
             </a:r>
             <a:endParaRPr lang="en-US" dirty="0"/>
@@ -7118,7 +7125,7 @@
             <a:fld id="{B61BEF0D-F0BB-DE4B-95CE-6DB70DBA9567}" type="datetimeFigureOut">
               <a:rPr lang="en-US" dirty="0"/>
               <a:pPr/>
-              <a:t>6/25/2018</a:t>
+              <a:t>6/26/2018</a:t>
             </a:fld>
             <a:endParaRPr lang="en-US" dirty="0"/>
           </a:p>
@@ -7648,10 +7655,9 @@
           <a:lstStyle/>
           <a:p>
             <a:r>
-              <a:rPr lang="en-IN" dirty="0" smtClean="0"/>
+              <a:rPr lang="en-IN" dirty="0"/>
               <a:t>VEHICLE  INSURANCE  PORTAL</a:t>
             </a:r>
-            <a:endParaRPr lang="en-IN" dirty="0"/>
           </a:p>
         </p:txBody>
       </p:sp>
@@ -7676,10 +7682,9 @@
               <a:buNone/>
             </a:pPr>
             <a:r>
-              <a:rPr lang="en-IN" sz="7200" dirty="0" smtClean="0"/>
+              <a:rPr lang="en-IN" sz="7200" dirty="0"/>
               <a:t>INSTA INSURANCE</a:t>
             </a:r>
-            <a:endParaRPr lang="en-IN" sz="7200" dirty="0"/>
           </a:p>
         </p:txBody>
       </p:sp>
@@ -7693,13 +7698,6 @@
   <p:clrMapOvr>
     <a:masterClrMapping/>
   </p:clrMapOvr>
-  <p:timing>
-    <p:tnLst>
-      <p:par>
-        <p:cTn id="1" dur="indefinite" restart="never" nodeType="tmRoot"/>
-      </p:par>
-    </p:tnLst>
-  </p:timing>
 </p:sld>
 </file>
 
@@ -7732,6 +7730,176 @@
         </p:nvSpPr>
         <p:spPr>
           <a:xfrm>
+            <a:off x="1653988" y="0"/>
+            <a:ext cx="8911687" cy="1280890"/>
+          </a:xfrm>
+        </p:spPr>
+        <p:txBody>
+          <a:bodyPr/>
+          <a:lstStyle/>
+          <a:p>
+            <a:r>
+              <a:rPr lang="en-IN" dirty="0"/>
+              <a:t>ADMIN USE CASE</a:t>
+            </a:r>
+          </a:p>
+        </p:txBody>
+      </p:sp>
+      <p:pic>
+        <p:nvPicPr>
+          <p:cNvPr id="4" name="Content Placeholder 3"/>
+          <p:cNvPicPr>
+            <a:picLocks noGrp="1" noChangeAspect="1"/>
+          </p:cNvPicPr>
+          <p:nvPr>
+            <p:ph idx="1"/>
+          </p:nvPr>
+        </p:nvPicPr>
+        <p:blipFill rotWithShape="1">
+          <a:blip r:embed="rId2">
+            <a:extLst>
+              <a:ext uri="{28A0092B-C50C-407E-A947-70E740481C1C}">
+                <a14:useLocalDpi xmlns:a14="http://schemas.microsoft.com/office/drawing/2010/main" val="0"/>
+              </a:ext>
+            </a:extLst>
+          </a:blip>
+          <a:srcRect r="5398" b="5637"/>
+          <a:stretch/>
+        </p:blipFill>
+        <p:spPr>
+          <a:xfrm>
+            <a:off x="1653989" y="779923"/>
+            <a:ext cx="9426388" cy="6078077"/>
+          </a:xfrm>
+        </p:spPr>
+      </p:pic>
+    </p:spTree>
+    <p:extLst>
+      <p:ext uri="{BB962C8B-B14F-4D97-AF65-F5344CB8AC3E}">
+        <p14:creationId xmlns:p14="http://schemas.microsoft.com/office/powerpoint/2010/main" val="3259160768"/>
+      </p:ext>
+    </p:extLst>
+  </p:cSld>
+  <p:clrMapOvr>
+    <a:masterClrMapping/>
+  </p:clrMapOvr>
+</p:sld>
+</file>
+
+<file path=ppt/slides/slide11.xml><?xml version="1.0" encoding="utf-8"?>
+<p:sld xmlns:a="http://schemas.openxmlformats.org/drawingml/2006/main" xmlns:r="http://schemas.openxmlformats.org/officeDocument/2006/relationships" xmlns:p="http://schemas.openxmlformats.org/presentationml/2006/main">
+  <p:cSld>
+    <p:spTree>
+      <p:nvGrpSpPr>
+        <p:cNvPr id="1" name=""/>
+        <p:cNvGrpSpPr/>
+        <p:nvPr/>
+      </p:nvGrpSpPr>
+      <p:grpSpPr>
+        <a:xfrm>
+          <a:off x="0" y="0"/>
+          <a:ext cx="0" cy="0"/>
+          <a:chOff x="0" y="0"/>
+          <a:chExt cx="0" cy="0"/>
+        </a:xfrm>
+      </p:grpSpPr>
+      <p:sp>
+        <p:nvSpPr>
+          <p:cNvPr id="2" name="Title 1"/>
+          <p:cNvSpPr>
+            <a:spLocks noGrp="1"/>
+          </p:cNvSpPr>
+          <p:nvPr>
+            <p:ph type="title"/>
+          </p:nvPr>
+        </p:nvSpPr>
+        <p:spPr>
+          <a:xfrm>
+            <a:off x="1638184" y="0"/>
+            <a:ext cx="8911687" cy="1280890"/>
+          </a:xfrm>
+        </p:spPr>
+        <p:txBody>
+          <a:bodyPr/>
+          <a:lstStyle/>
+          <a:p>
+            <a:r>
+              <a:rPr lang="en-IN" dirty="0"/>
+              <a:t>GET QUOTE ACTIVITY</a:t>
+            </a:r>
+          </a:p>
+        </p:txBody>
+      </p:sp>
+      <p:pic>
+        <p:nvPicPr>
+          <p:cNvPr id="4" name="Content Placeholder 3"/>
+          <p:cNvPicPr>
+            <a:picLocks noGrp="1" noChangeAspect="1"/>
+          </p:cNvPicPr>
+          <p:nvPr>
+            <p:ph idx="1"/>
+          </p:nvPr>
+        </p:nvPicPr>
+        <p:blipFill rotWithShape="1">
+          <a:blip r:embed="rId2">
+            <a:extLst>
+              <a:ext uri="{28A0092B-C50C-407E-A947-70E740481C1C}">
+                <a14:useLocalDpi xmlns:a14="http://schemas.microsoft.com/office/drawing/2010/main" val="0"/>
+              </a:ext>
+            </a:extLst>
+          </a:blip>
+          <a:srcRect r="3861" b="5930"/>
+          <a:stretch/>
+        </p:blipFill>
+        <p:spPr>
+          <a:xfrm>
+            <a:off x="1638185" y="645458"/>
+            <a:ext cx="10480614" cy="6212541"/>
+          </a:xfrm>
+        </p:spPr>
+      </p:pic>
+    </p:spTree>
+    <p:extLst>
+      <p:ext uri="{BB962C8B-B14F-4D97-AF65-F5344CB8AC3E}">
+        <p14:creationId xmlns:p14="http://schemas.microsoft.com/office/powerpoint/2010/main" val="1844137969"/>
+      </p:ext>
+    </p:extLst>
+  </p:cSld>
+  <p:clrMapOvr>
+    <a:masterClrMapping/>
+  </p:clrMapOvr>
+</p:sld>
+</file>
+
+<file path=ppt/slides/slide12.xml><?xml version="1.0" encoding="utf-8"?>
+<p:sld xmlns:a="http://schemas.openxmlformats.org/drawingml/2006/main" xmlns:r="http://schemas.openxmlformats.org/officeDocument/2006/relationships" xmlns:p="http://schemas.openxmlformats.org/presentationml/2006/main">
+  <p:cSld>
+    <p:spTree>
+      <p:nvGrpSpPr>
+        <p:cNvPr id="1" name=""/>
+        <p:cNvGrpSpPr/>
+        <p:nvPr/>
+      </p:nvGrpSpPr>
+      <p:grpSpPr>
+        <a:xfrm>
+          <a:off x="0" y="0"/>
+          <a:ext cx="0" cy="0"/>
+          <a:chOff x="0" y="0"/>
+          <a:chExt cx="0" cy="0"/>
+        </a:xfrm>
+      </p:grpSpPr>
+      <p:sp>
+        <p:nvSpPr>
+          <p:cNvPr id="2" name="Title 1"/>
+          <p:cNvSpPr>
+            <a:spLocks noGrp="1"/>
+          </p:cNvSpPr>
+          <p:nvPr>
+            <p:ph type="title"/>
+          </p:nvPr>
+        </p:nvSpPr>
+        <p:spPr>
+          <a:xfrm>
             <a:off x="1678525" y="113122"/>
             <a:ext cx="8911687" cy="1280890"/>
           </a:xfrm>
@@ -7741,10 +7909,9 @@
           <a:lstStyle/>
           <a:p>
             <a:r>
-              <a:rPr lang="en-IN" dirty="0" smtClean="0"/>
+              <a:rPr lang="en-IN" dirty="0"/>
               <a:t>CLAIM ACTIVITY</a:t>
             </a:r>
-            <a:endParaRPr lang="en-IN" dirty="0"/>
           </a:p>
         </p:txBody>
       </p:sp>
@@ -7786,17 +7953,10 @@
   <p:clrMapOvr>
     <a:masterClrMapping/>
   </p:clrMapOvr>
-  <p:timing>
-    <p:tnLst>
-      <p:par>
-        <p:cTn id="1" dur="indefinite" restart="never" nodeType="tmRoot"/>
-      </p:par>
-    </p:tnLst>
-  </p:timing>
 </p:sld>
 </file>
 
-<file path=ppt/slides/slide11.xml><?xml version="1.0" encoding="utf-8"?>
+<file path=ppt/slides/slide13.xml><?xml version="1.0" encoding="utf-8"?>
 <p:sld xmlns:a="http://schemas.openxmlformats.org/drawingml/2006/main" xmlns:r="http://schemas.openxmlformats.org/officeDocument/2006/relationships" xmlns:p="http://schemas.openxmlformats.org/presentationml/2006/main">
   <p:cSld>
     <p:spTree>
@@ -7834,10 +7994,9 @@
           <a:lstStyle/>
           <a:p>
             <a:r>
-              <a:rPr lang="en-IN" dirty="0" smtClean="0"/>
+              <a:rPr lang="en-IN" dirty="0"/>
               <a:t>CLASS DIAGRAM</a:t>
             </a:r>
-            <a:endParaRPr lang="en-IN" dirty="0"/>
           </a:p>
         </p:txBody>
       </p:sp>
@@ -7880,17 +8039,10 @@
   <p:clrMapOvr>
     <a:masterClrMapping/>
   </p:clrMapOvr>
-  <p:timing>
-    <p:tnLst>
-      <p:par>
-        <p:cTn id="1" dur="indefinite" restart="never" nodeType="tmRoot"/>
-      </p:par>
-    </p:tnLst>
-  </p:timing>
 </p:sld>
 </file>
 
-<file path=ppt/slides/slide12.xml><?xml version="1.0" encoding="utf-8"?>
+<file path=ppt/slides/slide14.xml><?xml version="1.0" encoding="utf-8"?>
 <p:sld xmlns:a="http://schemas.openxmlformats.org/drawingml/2006/main" xmlns:r="http://schemas.openxmlformats.org/officeDocument/2006/relationships" xmlns:p="http://schemas.openxmlformats.org/presentationml/2006/main">
   <p:cSld>
     <p:spTree>
@@ -7923,10 +8075,9 @@
           <a:lstStyle/>
           <a:p>
             <a:r>
-              <a:rPr lang="en-IN" dirty="0" smtClean="0"/>
+              <a:rPr lang="en-IN" dirty="0"/>
               <a:t>SCOPE</a:t>
             </a:r>
-            <a:endParaRPr lang="en-IN" dirty="0"/>
           </a:p>
         </p:txBody>
       </p:sp>
@@ -7949,18 +8100,13 @@
               <a:buNone/>
             </a:pPr>
             <a:r>
-              <a:rPr lang="en-IN" dirty="0" smtClean="0"/>
+              <a:rPr lang="en-IN" dirty="0"/>
               <a:t> </a:t>
             </a:r>
             <a:r>
-              <a:rPr lang="en-IN" sz="2800" dirty="0" smtClean="0"/>
-              <a:t>The project automates vehicle insurance system </a:t>
-            </a:r>
-            <a:r>
               <a:rPr lang="en-IN" sz="2800" dirty="0"/>
-              <a:t>by providing full-fledged, error free, secure, reliable online solution that can store non-redundant and valuable data for a longer period and provide good performance and better services to the customer.</a:t>
-            </a:r>
-            <a:endParaRPr lang="en-IN" sz="2800" dirty="0"/>
+              <a:t>The project automates vehicle insurance system by providing full-fledged, error free, secure, reliable online solution that can store non-redundant and valuable data for a longer period and provide good performance and better services to the customer.</a:t>
+            </a:r>
           </a:p>
         </p:txBody>
       </p:sp>
@@ -7974,17 +8120,10 @@
   <p:clrMapOvr>
     <a:masterClrMapping/>
   </p:clrMapOvr>
-  <p:timing>
-    <p:tnLst>
-      <p:par>
-        <p:cTn id="1" dur="indefinite" restart="never" nodeType="tmRoot"/>
-      </p:par>
-    </p:tnLst>
-  </p:timing>
 </p:sld>
 </file>
 
-<file path=ppt/slides/slide13.xml><?xml version="1.0" encoding="utf-8"?>
+<file path=ppt/slides/slide15.xml><?xml version="1.0" encoding="utf-8"?>
 <p:sld xmlns:a="http://schemas.openxmlformats.org/drawingml/2006/main" xmlns:r="http://schemas.openxmlformats.org/officeDocument/2006/relationships" xmlns:p="http://schemas.openxmlformats.org/presentationml/2006/main">
   <p:cSld>
     <p:spTree>
@@ -8024,11 +8163,11 @@
           <a:lstStyle/>
           <a:p>
             <a:r>
-              <a:rPr lang="en-IN" sz="8800" dirty="0" smtClean="0"/>
+              <a:rPr lang="en-IN" sz="8800" dirty="0"/>
               <a:t>THANK YOU </a:t>
             </a:r>
             <a:r>
-              <a:rPr lang="en-IN" sz="8800" dirty="0" smtClean="0">
+              <a:rPr lang="en-IN" sz="8800" dirty="0">
                 <a:sym typeface="Wingdings" panose="05000000000000000000" pitchFamily="2" charset="2"/>
               </a:rPr>
               <a:t></a:t>
@@ -8047,13 +8186,6 @@
   <p:clrMapOvr>
     <a:masterClrMapping/>
   </p:clrMapOvr>
-  <p:timing>
-    <p:tnLst>
-      <p:par>
-        <p:cTn id="1" dur="indefinite" restart="never" nodeType="tmRoot"/>
-      </p:par>
-    </p:tnLst>
-  </p:timing>
 </p:sld>
 </file>
 
@@ -8090,10 +8222,9 @@
           <a:lstStyle/>
           <a:p>
             <a:r>
-              <a:rPr lang="en-IN" dirty="0" smtClean="0"/>
+              <a:rPr lang="en-IN" dirty="0"/>
               <a:t>GROUP MEMBERS</a:t>
             </a:r>
-            <a:endParaRPr lang="en-IN" dirty="0"/>
           </a:p>
         </p:txBody>
       </p:sp>
@@ -8113,52 +8244,51 @@
           <a:lstStyle/>
           <a:p>
             <a:r>
-              <a:rPr lang="en-IN" dirty="0" smtClean="0"/>
+              <a:rPr lang="en-IN" dirty="0"/>
               <a:t>HARDIK KACHWAHA</a:t>
             </a:r>
           </a:p>
           <a:p>
             <a:r>
-              <a:rPr lang="en-IN" dirty="0" smtClean="0"/>
+              <a:rPr lang="en-IN" dirty="0"/>
               <a:t>RAVINDER KUMAR</a:t>
             </a:r>
           </a:p>
           <a:p>
             <a:r>
-              <a:rPr lang="en-IN" dirty="0" smtClean="0"/>
+              <a:rPr lang="en-IN" dirty="0"/>
               <a:t>SIMRAN AGGARWAL</a:t>
             </a:r>
           </a:p>
           <a:p>
             <a:r>
-              <a:rPr lang="en-IN" dirty="0" smtClean="0"/>
+              <a:rPr lang="en-IN" dirty="0"/>
               <a:t>BHAVYA BATRA</a:t>
             </a:r>
           </a:p>
           <a:p>
             <a:r>
-              <a:rPr lang="en-IN" dirty="0" smtClean="0"/>
+              <a:rPr lang="en-IN" dirty="0"/>
               <a:t>SREEPARNA BASU</a:t>
             </a:r>
           </a:p>
           <a:p>
             <a:r>
-              <a:rPr lang="en-IN" dirty="0" smtClean="0"/>
+              <a:rPr lang="en-IN" dirty="0"/>
               <a:t>PRIYANKA SHARMA</a:t>
             </a:r>
           </a:p>
           <a:p>
             <a:r>
-              <a:rPr lang="en-IN" dirty="0" smtClean="0"/>
+              <a:rPr lang="en-IN" dirty="0"/>
               <a:t>RAGHAV RAWAT</a:t>
             </a:r>
           </a:p>
           <a:p>
             <a:r>
-              <a:rPr lang="en-IN" dirty="0" smtClean="0"/>
+              <a:rPr lang="en-IN" dirty="0"/>
               <a:t>PIYUSH AHUJA</a:t>
             </a:r>
-            <a:endParaRPr lang="en-IN" dirty="0"/>
           </a:p>
         </p:txBody>
       </p:sp>
@@ -8172,13 +8302,6 @@
   <p:clrMapOvr>
     <a:masterClrMapping/>
   </p:clrMapOvr>
-  <p:timing>
-    <p:tnLst>
-      <p:par>
-        <p:cTn id="1" dur="indefinite" restart="never" nodeType="tmRoot"/>
-      </p:par>
-    </p:tnLst>
-  </p:timing>
 </p:sld>
 </file>
 
@@ -8215,10 +8338,9 @@
           <a:lstStyle/>
           <a:p>
             <a:r>
-              <a:rPr lang="en-IN" dirty="0" smtClean="0"/>
+              <a:rPr lang="en-IN" dirty="0"/>
               <a:t>PROBLEM STATEMENT</a:t>
             </a:r>
-            <a:endParaRPr lang="en-IN" dirty="0"/>
           </a:p>
         </p:txBody>
       </p:sp>
@@ -8248,7 +8370,7 @@
               <a:buNone/>
             </a:pPr>
             <a:r>
-              <a:rPr lang="en-IN" sz="2400" dirty="0" smtClean="0"/>
+              <a:rPr lang="en-IN" sz="2400" dirty="0"/>
               <a:t>INSTA INSURANCE is a web based vehicle insurance application which has been developed to override the problems prevailing in the existing manual system.</a:t>
             </a:r>
           </a:p>
@@ -8257,7 +8379,7 @@
               <a:buNone/>
             </a:pPr>
             <a:r>
-              <a:rPr lang="en-IN" sz="2400" dirty="0" smtClean="0"/>
+              <a:rPr lang="en-IN" sz="2400" dirty="0"/>
               <a:t>There is an stringent need to eliminate the mediator between the insurer and the insured, so  that there are no excess charges and the insurance process is smooth and not cumbersome for the customers.</a:t>
             </a:r>
           </a:p>
@@ -8273,13 +8395,6 @@
   <p:clrMapOvr>
     <a:masterClrMapping/>
   </p:clrMapOvr>
-  <p:timing>
-    <p:tnLst>
-      <p:par>
-        <p:cTn id="1" dur="indefinite" restart="never" nodeType="tmRoot"/>
-      </p:par>
-    </p:tnLst>
-  </p:timing>
 </p:sld>
 </file>
 
@@ -8316,10 +8431,9 @@
           <a:lstStyle/>
           <a:p>
             <a:r>
-              <a:rPr lang="en-IN" dirty="0" smtClean="0"/>
+              <a:rPr lang="en-IN" dirty="0"/>
               <a:t>FEATURES</a:t>
             </a:r>
-            <a:endParaRPr lang="en-IN" dirty="0"/>
           </a:p>
         </p:txBody>
       </p:sp>
@@ -8333,7 +8447,12 @@
             <p:ph idx="1"/>
           </p:nvPr>
         </p:nvSpPr>
-        <p:spPr/>
+        <p:spPr>
+          <a:xfrm>
+            <a:off x="2358887" y="1616765"/>
+            <a:ext cx="9145725" cy="4294457"/>
+          </a:xfrm>
+        </p:spPr>
         <p:txBody>
           <a:bodyPr>
             <a:noAutofit/>
@@ -8341,46 +8460,65 @@
           <a:lstStyle/>
           <a:p>
             <a:r>
-              <a:rPr lang="en-IN" sz="2800" dirty="0" smtClean="0"/>
+              <a:rPr lang="en-IN" sz="2800" dirty="0"/>
               <a:t>Get Policy Quotations anytime</a:t>
             </a:r>
           </a:p>
           <a:p>
             <a:r>
-              <a:rPr lang="en-IN" sz="2800" dirty="0" smtClean="0"/>
+              <a:rPr lang="en-IN" sz="2800" dirty="0"/>
               <a:t>View all relevant policies</a:t>
             </a:r>
           </a:p>
           <a:p>
             <a:r>
-              <a:rPr lang="en-IN" sz="2800" dirty="0" smtClean="0"/>
+              <a:rPr lang="en-IN" sz="2800" dirty="0"/>
               <a:t>Select suitable policy of choice</a:t>
             </a:r>
+          </a:p>
+          <a:p>
+            <a:r>
+              <a:rPr lang="en-IN" sz="2800" dirty="0"/>
+              <a:t>Online Payments</a:t>
+            </a:r>
+          </a:p>
+          <a:p>
+            <a:r>
+              <a:rPr lang="en-IN" sz="2800" dirty="0"/>
+              <a:t>Easy Claims with fast response</a:t>
+            </a:r>
+          </a:p>
+          <a:p>
+            <a:r>
+              <a:rPr lang="en-IN" sz="2800" dirty="0"/>
+              <a:t>Track status from anywhere</a:t>
+            </a:r>
+          </a:p>
+          <a:p>
+            <a:r>
+              <a:rPr lang="en-IN" sz="2800" dirty="0"/>
+              <a:t>NO mediator required</a:t>
+            </a:r>
+          </a:p>
+          <a:p>
+            <a:r>
+              <a:rPr lang="en-US" sz="2800" dirty="0"/>
+              <a:t>R</a:t>
+            </a:r>
+            <a:r>
+              <a:rPr lang="en-IN" sz="2800" dirty="0" err="1"/>
+              <a:t>eport</a:t>
+            </a:r>
+            <a:r>
+              <a:rPr lang="en-IN" sz="2800" dirty="0"/>
+              <a:t> Generation</a:t>
+            </a:r>
+          </a:p>
+          <a:p>
+            <a:pPr marL="0" indent="0" algn="r">
+              <a:buNone/>
+            </a:pPr>
             <a:endParaRPr lang="en-IN" sz="2800" dirty="0"/>
-          </a:p>
-          <a:p>
-            <a:r>
-              <a:rPr lang="en-IN" sz="2800" dirty="0" smtClean="0"/>
-              <a:t>Online Payments</a:t>
-            </a:r>
-          </a:p>
-          <a:p>
-            <a:r>
-              <a:rPr lang="en-IN" sz="2800" dirty="0" smtClean="0"/>
-              <a:t>Easy Claims with fast response</a:t>
-            </a:r>
-          </a:p>
-          <a:p>
-            <a:r>
-              <a:rPr lang="en-IN" sz="2800" dirty="0" smtClean="0"/>
-              <a:t>Track status from anywhere</a:t>
-            </a:r>
-          </a:p>
-          <a:p>
-            <a:r>
-              <a:rPr lang="en-IN" sz="2800" dirty="0" smtClean="0"/>
-              <a:t>NO mediator required</a:t>
-            </a:r>
           </a:p>
         </p:txBody>
       </p:sp>
@@ -8394,13 +8532,6 @@
   <p:clrMapOvr>
     <a:masterClrMapping/>
   </p:clrMapOvr>
-  <p:timing>
-    <p:tnLst>
-      <p:par>
-        <p:cTn id="1" dur="indefinite" restart="never" nodeType="tmRoot"/>
-      </p:par>
-    </p:tnLst>
-  </p:timing>
 </p:sld>
 </file>
 
@@ -8423,7 +8554,13 @@
       </p:grpSpPr>
       <p:sp>
         <p:nvSpPr>
-          <p:cNvPr id="2" name="Title 1"/>
+          <p:cNvPr id="2" name="Title 1">
+            <a:extLst>
+              <a:ext uri="{FF2B5EF4-FFF2-40B4-BE49-F238E27FC236}">
+                <a16:creationId xmlns:a16="http://schemas.microsoft.com/office/drawing/2014/main" id="{709341F7-A032-4446-B2A8-01BD785394B8}"/>
+              </a:ext>
+            </a:extLst>
+          </p:cNvPr>
           <p:cNvSpPr>
             <a:spLocks noGrp="1"/>
           </p:cNvSpPr>
@@ -8431,43 +8568,378 @@
             <p:ph type="title"/>
           </p:nvPr>
         </p:nvSpPr>
-        <p:spPr>
-          <a:xfrm>
-            <a:off x="2381910" y="2640479"/>
-            <a:ext cx="8911687" cy="1280890"/>
-          </a:xfrm>
-        </p:spPr>
+        <p:spPr/>
+        <p:txBody>
+          <a:bodyPr/>
+          <a:lstStyle/>
+          <a:p>
+            <a:r>
+              <a:rPr lang="en-US" dirty="0"/>
+              <a:t>TECHNOLOGIES USED</a:t>
+            </a:r>
+            <a:endParaRPr lang="en-IN" dirty="0"/>
+          </a:p>
+        </p:txBody>
+      </p:sp>
+      <p:sp>
+        <p:nvSpPr>
+          <p:cNvPr id="3" name="Content Placeholder 2">
+            <a:extLst>
+              <a:ext uri="{FF2B5EF4-FFF2-40B4-BE49-F238E27FC236}">
+                <a16:creationId xmlns:a16="http://schemas.microsoft.com/office/drawing/2014/main" id="{6B32CC03-6668-4A18-A99C-178DE8926B84}"/>
+              </a:ext>
+            </a:extLst>
+          </p:cNvPr>
+          <p:cNvSpPr>
+            <a:spLocks noGrp="1"/>
+          </p:cNvSpPr>
+          <p:nvPr>
+            <p:ph idx="1"/>
+          </p:nvPr>
+        </p:nvSpPr>
+        <p:spPr/>
         <p:txBody>
           <a:bodyPr>
             <a:normAutofit/>
           </a:bodyPr>
           <a:lstStyle/>
           <a:p>
-            <a:r>
-              <a:rPr lang="en-IN" sz="6000" dirty="0" smtClean="0"/>
-              <a:t>UML DIAGRAMS</a:t>
-            </a:r>
-            <a:endParaRPr lang="en-IN" sz="6000" dirty="0"/>
+            <a:pPr marL="0" indent="0">
+              <a:lnSpc>
+                <a:spcPct val="150000"/>
+              </a:lnSpc>
+              <a:buNone/>
+            </a:pPr>
+            <a:endParaRPr lang="en-US" dirty="0"/>
+          </a:p>
+          <a:p>
+            <a:pPr marL="0" indent="0">
+              <a:buNone/>
+            </a:pPr>
+            <a:endParaRPr lang="en-IN" dirty="0"/>
+          </a:p>
+        </p:txBody>
+      </p:sp>
+      <p:sp>
+        <p:nvSpPr>
+          <p:cNvPr id="4" name="Content Placeholder 2">
+            <a:extLst>
+              <a:ext uri="{FF2B5EF4-FFF2-40B4-BE49-F238E27FC236}">
+                <a16:creationId xmlns:a16="http://schemas.microsoft.com/office/drawing/2014/main" id="{9CD71600-DEA4-493F-9F49-DED3B148B65B}"/>
+              </a:ext>
+            </a:extLst>
+          </p:cNvPr>
+          <p:cNvSpPr txBox="1">
+            <a:spLocks/>
+          </p:cNvSpPr>
+          <p:nvPr/>
+        </p:nvSpPr>
+        <p:spPr>
+          <a:xfrm>
+            <a:off x="2741612" y="2286000"/>
+            <a:ext cx="8915400" cy="3777622"/>
+          </a:xfrm>
+          <a:prstGeom prst="rect">
+            <a:avLst/>
+          </a:prstGeom>
+        </p:spPr>
+        <p:txBody>
+          <a:bodyPr vert="horz" lIns="91440" tIns="45720" rIns="91440" bIns="45720" rtlCol="0">
+            <a:noAutofit/>
+          </a:bodyPr>
+          <a:lstStyle>
+            <a:lvl1pPr marL="342900" indent="-342900" algn="l" defTabSz="457200" rtl="0" eaLnBrk="1" latinLnBrk="0" hangingPunct="1">
+              <a:spcBef>
+                <a:spcPts val="1000"/>
+              </a:spcBef>
+              <a:spcAft>
+                <a:spcPts val="0"/>
+              </a:spcAft>
+              <a:buClr>
+                <a:schemeClr val="accent1"/>
+              </a:buClr>
+              <a:buFont typeface="Wingdings 3" charset="2"/>
+              <a:buChar char=""/>
+              <a:defRPr sz="1800" kern="1200">
+                <a:solidFill>
+                  <a:schemeClr val="tx1">
+                    <a:lumMod val="75000"/>
+                    <a:lumOff val="25000"/>
+                  </a:schemeClr>
+                </a:solidFill>
+                <a:latin typeface="+mn-lt"/>
+                <a:ea typeface="+mn-ea"/>
+                <a:cs typeface="+mn-cs"/>
+              </a:defRPr>
+            </a:lvl1pPr>
+            <a:lvl2pPr marL="742950" indent="-285750" algn="l" defTabSz="457200" rtl="0" eaLnBrk="1" latinLnBrk="0" hangingPunct="1">
+              <a:spcBef>
+                <a:spcPts val="1000"/>
+              </a:spcBef>
+              <a:spcAft>
+                <a:spcPts val="0"/>
+              </a:spcAft>
+              <a:buClr>
+                <a:schemeClr val="accent1"/>
+              </a:buClr>
+              <a:buFont typeface="Wingdings 3" charset="2"/>
+              <a:buChar char=""/>
+              <a:defRPr sz="1600" kern="1200">
+                <a:solidFill>
+                  <a:schemeClr val="tx1">
+                    <a:lumMod val="75000"/>
+                    <a:lumOff val="25000"/>
+                  </a:schemeClr>
+                </a:solidFill>
+                <a:latin typeface="+mn-lt"/>
+                <a:ea typeface="+mn-ea"/>
+                <a:cs typeface="+mn-cs"/>
+              </a:defRPr>
+            </a:lvl2pPr>
+            <a:lvl3pPr marL="1143000" indent="-228600" algn="l" defTabSz="457200" rtl="0" eaLnBrk="1" latinLnBrk="0" hangingPunct="1">
+              <a:spcBef>
+                <a:spcPts val="1000"/>
+              </a:spcBef>
+              <a:spcAft>
+                <a:spcPts val="0"/>
+              </a:spcAft>
+              <a:buClr>
+                <a:schemeClr val="accent1"/>
+              </a:buClr>
+              <a:buFont typeface="Wingdings 3" charset="2"/>
+              <a:buChar char=""/>
+              <a:defRPr sz="1400" kern="1200">
+                <a:solidFill>
+                  <a:schemeClr val="tx1">
+                    <a:lumMod val="75000"/>
+                    <a:lumOff val="25000"/>
+                  </a:schemeClr>
+                </a:solidFill>
+                <a:latin typeface="+mn-lt"/>
+                <a:ea typeface="+mn-ea"/>
+                <a:cs typeface="+mn-cs"/>
+              </a:defRPr>
+            </a:lvl3pPr>
+            <a:lvl4pPr marL="1600200" indent="-228600" algn="l" defTabSz="457200" rtl="0" eaLnBrk="1" latinLnBrk="0" hangingPunct="1">
+              <a:spcBef>
+                <a:spcPts val="1000"/>
+              </a:spcBef>
+              <a:spcAft>
+                <a:spcPts val="0"/>
+              </a:spcAft>
+              <a:buClr>
+                <a:schemeClr val="accent1"/>
+              </a:buClr>
+              <a:buFont typeface="Wingdings 3" charset="2"/>
+              <a:buChar char=""/>
+              <a:defRPr sz="1200" kern="1200">
+                <a:solidFill>
+                  <a:schemeClr val="tx1">
+                    <a:lumMod val="75000"/>
+                    <a:lumOff val="25000"/>
+                  </a:schemeClr>
+                </a:solidFill>
+                <a:latin typeface="+mn-lt"/>
+                <a:ea typeface="+mn-ea"/>
+                <a:cs typeface="+mn-cs"/>
+              </a:defRPr>
+            </a:lvl4pPr>
+            <a:lvl5pPr marL="2057400" indent="-228600" algn="l" defTabSz="457200" rtl="0" eaLnBrk="1" latinLnBrk="0" hangingPunct="1">
+              <a:spcBef>
+                <a:spcPts val="1000"/>
+              </a:spcBef>
+              <a:spcAft>
+                <a:spcPts val="0"/>
+              </a:spcAft>
+              <a:buClr>
+                <a:schemeClr val="accent1"/>
+              </a:buClr>
+              <a:buFont typeface="Wingdings 3" charset="2"/>
+              <a:buChar char=""/>
+              <a:defRPr sz="1200" kern="1200">
+                <a:solidFill>
+                  <a:schemeClr val="tx1">
+                    <a:lumMod val="75000"/>
+                    <a:lumOff val="25000"/>
+                  </a:schemeClr>
+                </a:solidFill>
+                <a:latin typeface="+mn-lt"/>
+                <a:ea typeface="+mn-ea"/>
+                <a:cs typeface="+mn-cs"/>
+              </a:defRPr>
+            </a:lvl5pPr>
+            <a:lvl6pPr marL="2514600" indent="-228600" algn="l" defTabSz="457200" rtl="0" eaLnBrk="1" latinLnBrk="0" hangingPunct="1">
+              <a:spcBef>
+                <a:spcPts val="1000"/>
+              </a:spcBef>
+              <a:spcAft>
+                <a:spcPts val="0"/>
+              </a:spcAft>
+              <a:buClr>
+                <a:schemeClr val="accent1"/>
+              </a:buClr>
+              <a:buFont typeface="Wingdings 3" charset="2"/>
+              <a:buChar char=""/>
+              <a:defRPr sz="1200" kern="1200">
+                <a:solidFill>
+                  <a:schemeClr val="tx1">
+                    <a:lumMod val="75000"/>
+                    <a:lumOff val="25000"/>
+                  </a:schemeClr>
+                </a:solidFill>
+                <a:latin typeface="+mn-lt"/>
+                <a:ea typeface="+mn-ea"/>
+                <a:cs typeface="+mn-cs"/>
+              </a:defRPr>
+            </a:lvl6pPr>
+            <a:lvl7pPr marL="2971800" indent="-228600" algn="l" defTabSz="457200" rtl="0" eaLnBrk="1" latinLnBrk="0" hangingPunct="1">
+              <a:spcBef>
+                <a:spcPts val="1000"/>
+              </a:spcBef>
+              <a:spcAft>
+                <a:spcPts val="0"/>
+              </a:spcAft>
+              <a:buClr>
+                <a:schemeClr val="accent1"/>
+              </a:buClr>
+              <a:buFont typeface="Wingdings 3" charset="2"/>
+              <a:buChar char=""/>
+              <a:defRPr sz="1200" kern="1200">
+                <a:solidFill>
+                  <a:schemeClr val="tx1">
+                    <a:lumMod val="75000"/>
+                    <a:lumOff val="25000"/>
+                  </a:schemeClr>
+                </a:solidFill>
+                <a:latin typeface="+mn-lt"/>
+                <a:ea typeface="+mn-ea"/>
+                <a:cs typeface="+mn-cs"/>
+              </a:defRPr>
+            </a:lvl7pPr>
+            <a:lvl8pPr marL="3429000" indent="-228600" algn="l" defTabSz="457200" rtl="0" eaLnBrk="1" latinLnBrk="0" hangingPunct="1">
+              <a:spcBef>
+                <a:spcPts val="1000"/>
+              </a:spcBef>
+              <a:spcAft>
+                <a:spcPts val="0"/>
+              </a:spcAft>
+              <a:buClr>
+                <a:schemeClr val="accent1"/>
+              </a:buClr>
+              <a:buFont typeface="Wingdings 3" charset="2"/>
+              <a:buChar char=""/>
+              <a:defRPr sz="1200" kern="1200">
+                <a:solidFill>
+                  <a:schemeClr val="tx1">
+                    <a:lumMod val="75000"/>
+                    <a:lumOff val="25000"/>
+                  </a:schemeClr>
+                </a:solidFill>
+                <a:latin typeface="+mn-lt"/>
+                <a:ea typeface="+mn-ea"/>
+                <a:cs typeface="+mn-cs"/>
+              </a:defRPr>
+            </a:lvl8pPr>
+            <a:lvl9pPr marL="3886200" indent="-228600" algn="l" defTabSz="457200" rtl="0" eaLnBrk="1" latinLnBrk="0" hangingPunct="1">
+              <a:spcBef>
+                <a:spcPts val="1000"/>
+              </a:spcBef>
+              <a:spcAft>
+                <a:spcPts val="0"/>
+              </a:spcAft>
+              <a:buClr>
+                <a:schemeClr val="accent1"/>
+              </a:buClr>
+              <a:buFont typeface="Wingdings 3" charset="2"/>
+              <a:buChar char=""/>
+              <a:defRPr sz="1200" kern="1200">
+                <a:solidFill>
+                  <a:schemeClr val="tx1">
+                    <a:lumMod val="75000"/>
+                    <a:lumOff val="25000"/>
+                  </a:schemeClr>
+                </a:solidFill>
+                <a:latin typeface="+mn-lt"/>
+                <a:ea typeface="+mn-ea"/>
+                <a:cs typeface="+mn-cs"/>
+              </a:defRPr>
+            </a:lvl9pPr>
+          </a:lstStyle>
+          <a:p>
+            <a:r>
+              <a:rPr lang="en-US" sz="2800" dirty="0"/>
+              <a:t>Spring MVC</a:t>
+            </a:r>
+            <a:endParaRPr lang="en-IN" sz="2800" dirty="0"/>
+          </a:p>
+          <a:p>
+            <a:r>
+              <a:rPr lang="en-US" sz="2800" dirty="0"/>
+              <a:t>Rest Services</a:t>
+            </a:r>
+            <a:endParaRPr lang="en-IN" sz="2800" dirty="0"/>
+          </a:p>
+          <a:p>
+            <a:r>
+              <a:rPr lang="en-US" sz="2800" dirty="0"/>
+              <a:t>H</a:t>
+            </a:r>
+            <a:r>
+              <a:rPr lang="en-IN" sz="2800" dirty="0" err="1"/>
+              <a:t>ibernate</a:t>
+            </a:r>
+            <a:endParaRPr lang="en-IN" sz="2800" dirty="0"/>
+          </a:p>
+          <a:p>
+            <a:r>
+              <a:rPr lang="en-US" sz="2800" dirty="0"/>
+              <a:t>O</a:t>
+            </a:r>
+            <a:r>
+              <a:rPr lang="en-IN" sz="2800" dirty="0" err="1"/>
+              <a:t>racle</a:t>
+            </a:r>
+            <a:r>
+              <a:rPr lang="en-IN" sz="2800" dirty="0"/>
+              <a:t> Database</a:t>
+            </a:r>
+          </a:p>
+          <a:p>
+            <a:r>
+              <a:rPr lang="en-US" sz="2800" dirty="0"/>
+              <a:t>A</a:t>
+            </a:r>
+            <a:r>
+              <a:rPr lang="en-IN" sz="2800" dirty="0" err="1"/>
+              <a:t>ngular</a:t>
+            </a:r>
+            <a:r>
+              <a:rPr lang="en-IN" sz="2800" dirty="0"/>
+              <a:t> JS</a:t>
+            </a:r>
+          </a:p>
+          <a:p>
+            <a:r>
+              <a:rPr lang="en-US" sz="2800" dirty="0"/>
+              <a:t>H</a:t>
+            </a:r>
+            <a:r>
+              <a:rPr lang="en-IN" sz="2800" dirty="0"/>
+              <a:t>TML5, CSS &amp; BOOTSTRAP</a:t>
+            </a:r>
           </a:p>
         </p:txBody>
       </p:sp>
     </p:spTree>
     <p:extLst>
       <p:ext uri="{BB962C8B-B14F-4D97-AF65-F5344CB8AC3E}">
-        <p14:creationId xmlns:p14="http://schemas.microsoft.com/office/powerpoint/2010/main" val="808762980"/>
+        <p14:creationId xmlns:p14="http://schemas.microsoft.com/office/powerpoint/2010/main" val="2299171911"/>
       </p:ext>
     </p:extLst>
   </p:cSld>
   <p:clrMapOvr>
     <a:masterClrMapping/>
   </p:clrMapOvr>
-  <p:timing>
-    <p:tnLst>
-      <p:par>
-        <p:cTn id="1" dur="indefinite" restart="never" nodeType="tmRoot"/>
-      </p:par>
-    </p:tnLst>
-  </p:timing>
 </p:sld>
 </file>
 
@@ -8490,6 +8962,156 @@
       </p:grpSpPr>
       <p:sp>
         <p:nvSpPr>
+          <p:cNvPr id="2" name="Title 1">
+            <a:extLst>
+              <a:ext uri="{FF2B5EF4-FFF2-40B4-BE49-F238E27FC236}">
+                <a16:creationId xmlns:a16="http://schemas.microsoft.com/office/drawing/2014/main" id="{B5FB583D-A2BA-4DD6-94BE-E17F9D07280F}"/>
+              </a:ext>
+            </a:extLst>
+          </p:cNvPr>
+          <p:cNvSpPr>
+            <a:spLocks noGrp="1"/>
+          </p:cNvSpPr>
+          <p:nvPr>
+            <p:ph type="title"/>
+          </p:nvPr>
+        </p:nvSpPr>
+        <p:spPr/>
+        <p:txBody>
+          <a:bodyPr/>
+          <a:lstStyle/>
+          <a:p>
+            <a:r>
+              <a:rPr lang="en-US" dirty="0"/>
+              <a:t>ARCHITECTURE</a:t>
+            </a:r>
+            <a:endParaRPr lang="en-IN" dirty="0"/>
+          </a:p>
+        </p:txBody>
+      </p:sp>
+      <p:pic>
+        <p:nvPicPr>
+          <p:cNvPr id="4" name="Content Placeholder 3">
+            <a:extLst>
+              <a:ext uri="{FF2B5EF4-FFF2-40B4-BE49-F238E27FC236}">
+                <a16:creationId xmlns:a16="http://schemas.microsoft.com/office/drawing/2014/main" id="{BFEB058B-8477-4D77-BE72-70CEB5433BE4}"/>
+              </a:ext>
+            </a:extLst>
+          </p:cNvPr>
+          <p:cNvPicPr>
+            <a:picLocks noGrp="1" noChangeAspect="1"/>
+          </p:cNvPicPr>
+          <p:nvPr>
+            <p:ph idx="1"/>
+          </p:nvPr>
+        </p:nvPicPr>
+        <p:blipFill>
+          <a:blip r:embed="rId2"/>
+          <a:stretch>
+            <a:fillRect/>
+          </a:stretch>
+        </p:blipFill>
+        <p:spPr>
+          <a:xfrm>
+            <a:off x="1008269" y="1507177"/>
+            <a:ext cx="11042440" cy="5198423"/>
+          </a:xfrm>
+          <a:prstGeom prst="rect">
+            <a:avLst/>
+          </a:prstGeom>
+        </p:spPr>
+      </p:pic>
+    </p:spTree>
+    <p:extLst>
+      <p:ext uri="{BB962C8B-B14F-4D97-AF65-F5344CB8AC3E}">
+        <p14:creationId xmlns:p14="http://schemas.microsoft.com/office/powerpoint/2010/main" val="1673688950"/>
+      </p:ext>
+    </p:extLst>
+  </p:cSld>
+  <p:clrMapOvr>
+    <a:masterClrMapping/>
+  </p:clrMapOvr>
+</p:sld>
+</file>
+
+<file path=ppt/slides/slide7.xml><?xml version="1.0" encoding="utf-8"?>
+<p:sld xmlns:a="http://schemas.openxmlformats.org/drawingml/2006/main" xmlns:r="http://schemas.openxmlformats.org/officeDocument/2006/relationships" xmlns:p="http://schemas.openxmlformats.org/presentationml/2006/main">
+  <p:cSld>
+    <p:spTree>
+      <p:nvGrpSpPr>
+        <p:cNvPr id="1" name=""/>
+        <p:cNvGrpSpPr/>
+        <p:nvPr/>
+      </p:nvGrpSpPr>
+      <p:grpSpPr>
+        <a:xfrm>
+          <a:off x="0" y="0"/>
+          <a:ext cx="0" cy="0"/>
+          <a:chOff x="0" y="0"/>
+          <a:chExt cx="0" cy="0"/>
+        </a:xfrm>
+      </p:grpSpPr>
+      <p:sp>
+        <p:nvSpPr>
+          <p:cNvPr id="2" name="Title 1"/>
+          <p:cNvSpPr>
+            <a:spLocks noGrp="1"/>
+          </p:cNvSpPr>
+          <p:nvPr>
+            <p:ph type="title"/>
+          </p:nvPr>
+        </p:nvSpPr>
+        <p:spPr>
+          <a:xfrm>
+            <a:off x="2381910" y="2640479"/>
+            <a:ext cx="8911687" cy="1280890"/>
+          </a:xfrm>
+        </p:spPr>
+        <p:txBody>
+          <a:bodyPr>
+            <a:normAutofit/>
+          </a:bodyPr>
+          <a:lstStyle/>
+          <a:p>
+            <a:r>
+              <a:rPr lang="en-IN" sz="6000" dirty="0"/>
+              <a:t>UML DIAGRAMS</a:t>
+            </a:r>
+          </a:p>
+        </p:txBody>
+      </p:sp>
+    </p:spTree>
+    <p:extLst>
+      <p:ext uri="{BB962C8B-B14F-4D97-AF65-F5344CB8AC3E}">
+        <p14:creationId xmlns:p14="http://schemas.microsoft.com/office/powerpoint/2010/main" val="808762980"/>
+      </p:ext>
+    </p:extLst>
+  </p:cSld>
+  <p:clrMapOvr>
+    <a:masterClrMapping/>
+  </p:clrMapOvr>
+</p:sld>
+</file>
+
+<file path=ppt/slides/slide8.xml><?xml version="1.0" encoding="utf-8"?>
+<p:sld xmlns:a="http://schemas.openxmlformats.org/drawingml/2006/main" xmlns:r="http://schemas.openxmlformats.org/officeDocument/2006/relationships" xmlns:p="http://schemas.openxmlformats.org/presentationml/2006/main">
+  <p:cSld>
+    <p:spTree>
+      <p:nvGrpSpPr>
+        <p:cNvPr id="1" name=""/>
+        <p:cNvGrpSpPr/>
+        <p:nvPr/>
+      </p:nvGrpSpPr>
+      <p:grpSpPr>
+        <a:xfrm>
+          <a:off x="0" y="0"/>
+          <a:ext cx="0" cy="0"/>
+          <a:chOff x="0" y="0"/>
+          <a:chExt cx="0" cy="0"/>
+        </a:xfrm>
+      </p:grpSpPr>
+      <p:sp>
+        <p:nvSpPr>
           <p:cNvPr id="2" name="Title 1"/>
           <p:cNvSpPr>
             <a:spLocks noGrp="1"/>
@@ -8509,10 +9131,9 @@
           <a:lstStyle/>
           <a:p>
             <a:r>
-              <a:rPr lang="en-IN" dirty="0" smtClean="0"/>
+              <a:rPr lang="en-IN" dirty="0"/>
               <a:t>CUSTOMER USE CASE</a:t>
             </a:r>
-            <a:endParaRPr lang="en-IN" dirty="0"/>
           </a:p>
         </p:txBody>
       </p:sp>
@@ -8554,17 +9175,10 @@
   <p:clrMapOvr>
     <a:masterClrMapping/>
   </p:clrMapOvr>
-  <p:timing>
-    <p:tnLst>
-      <p:par>
-        <p:cTn id="1" dur="indefinite" restart="never" nodeType="tmRoot"/>
-      </p:par>
-    </p:tnLst>
-  </p:timing>
 </p:sld>
 </file>
 
-<file path=ppt/slides/slide7.xml><?xml version="1.0" encoding="utf-8"?>
+<file path=ppt/slides/slide9.xml><?xml version="1.0" encoding="utf-8"?>
 <p:sld xmlns:a="http://schemas.openxmlformats.org/drawingml/2006/main" xmlns:r="http://schemas.openxmlformats.org/officeDocument/2006/relationships" xmlns:p="http://schemas.openxmlformats.org/presentationml/2006/main">
   <p:cSld>
     <p:spTree>
@@ -8602,10 +9216,9 @@
           <a:lstStyle/>
           <a:p>
             <a:r>
-              <a:rPr lang="en-IN" dirty="0" smtClean="0"/>
+              <a:rPr lang="en-IN" dirty="0"/>
               <a:t>STAFF USE CASE</a:t>
             </a:r>
-            <a:endParaRPr lang="en-IN" dirty="0"/>
           </a:p>
         </p:txBody>
       </p:sp>
@@ -8647,199 +9260,6 @@
   <p:clrMapOvr>
     <a:masterClrMapping/>
   </p:clrMapOvr>
-  <p:timing>
-    <p:tnLst>
-      <p:par>
-        <p:cTn id="1" dur="indefinite" restart="never" nodeType="tmRoot"/>
-      </p:par>
-    </p:tnLst>
-  </p:timing>
-</p:sld>
-</file>
-
-<file path=ppt/slides/slide8.xml><?xml version="1.0" encoding="utf-8"?>
-<p:sld xmlns:a="http://schemas.openxmlformats.org/drawingml/2006/main" xmlns:r="http://schemas.openxmlformats.org/officeDocument/2006/relationships" xmlns:p="http://schemas.openxmlformats.org/presentationml/2006/main">
-  <p:cSld>
-    <p:spTree>
-      <p:nvGrpSpPr>
-        <p:cNvPr id="1" name=""/>
-        <p:cNvGrpSpPr/>
-        <p:nvPr/>
-      </p:nvGrpSpPr>
-      <p:grpSpPr>
-        <a:xfrm>
-          <a:off x="0" y="0"/>
-          <a:ext cx="0" cy="0"/>
-          <a:chOff x="0" y="0"/>
-          <a:chExt cx="0" cy="0"/>
-        </a:xfrm>
-      </p:grpSpPr>
-      <p:sp>
-        <p:nvSpPr>
-          <p:cNvPr id="2" name="Title 1"/>
-          <p:cNvSpPr>
-            <a:spLocks noGrp="1"/>
-          </p:cNvSpPr>
-          <p:nvPr>
-            <p:ph type="title"/>
-          </p:nvPr>
-        </p:nvSpPr>
-        <p:spPr>
-          <a:xfrm>
-            <a:off x="1653988" y="0"/>
-            <a:ext cx="8911687" cy="1280890"/>
-          </a:xfrm>
-        </p:spPr>
-        <p:txBody>
-          <a:bodyPr/>
-          <a:lstStyle/>
-          <a:p>
-            <a:r>
-              <a:rPr lang="en-IN" dirty="0" smtClean="0"/>
-              <a:t>ADMIN USE CASE</a:t>
-            </a:r>
-            <a:endParaRPr lang="en-IN" dirty="0"/>
-          </a:p>
-        </p:txBody>
-      </p:sp>
-      <p:pic>
-        <p:nvPicPr>
-          <p:cNvPr id="4" name="Content Placeholder 3"/>
-          <p:cNvPicPr>
-            <a:picLocks noGrp="1" noChangeAspect="1"/>
-          </p:cNvPicPr>
-          <p:nvPr>
-            <p:ph idx="1"/>
-          </p:nvPr>
-        </p:nvPicPr>
-        <p:blipFill rotWithShape="1">
-          <a:blip r:embed="rId2">
-            <a:extLst>
-              <a:ext uri="{28A0092B-C50C-407E-A947-70E740481C1C}">
-                <a14:useLocalDpi xmlns:a14="http://schemas.microsoft.com/office/drawing/2010/main" val="0"/>
-              </a:ext>
-            </a:extLst>
-          </a:blip>
-          <a:srcRect r="5398" b="5637"/>
-          <a:stretch/>
-        </p:blipFill>
-        <p:spPr>
-          <a:xfrm>
-            <a:off x="1653989" y="779923"/>
-            <a:ext cx="9426388" cy="6078077"/>
-          </a:xfrm>
-        </p:spPr>
-      </p:pic>
-    </p:spTree>
-    <p:extLst>
-      <p:ext uri="{BB962C8B-B14F-4D97-AF65-F5344CB8AC3E}">
-        <p14:creationId xmlns:p14="http://schemas.microsoft.com/office/powerpoint/2010/main" val="3259160768"/>
-      </p:ext>
-    </p:extLst>
-  </p:cSld>
-  <p:clrMapOvr>
-    <a:masterClrMapping/>
-  </p:clrMapOvr>
-  <p:timing>
-    <p:tnLst>
-      <p:par>
-        <p:cTn id="1" dur="indefinite" restart="never" nodeType="tmRoot"/>
-      </p:par>
-    </p:tnLst>
-  </p:timing>
-</p:sld>
-</file>
-
-<file path=ppt/slides/slide9.xml><?xml version="1.0" encoding="utf-8"?>
-<p:sld xmlns:a="http://schemas.openxmlformats.org/drawingml/2006/main" xmlns:r="http://schemas.openxmlformats.org/officeDocument/2006/relationships" xmlns:p="http://schemas.openxmlformats.org/presentationml/2006/main">
-  <p:cSld>
-    <p:spTree>
-      <p:nvGrpSpPr>
-        <p:cNvPr id="1" name=""/>
-        <p:cNvGrpSpPr/>
-        <p:nvPr/>
-      </p:nvGrpSpPr>
-      <p:grpSpPr>
-        <a:xfrm>
-          <a:off x="0" y="0"/>
-          <a:ext cx="0" cy="0"/>
-          <a:chOff x="0" y="0"/>
-          <a:chExt cx="0" cy="0"/>
-        </a:xfrm>
-      </p:grpSpPr>
-      <p:sp>
-        <p:nvSpPr>
-          <p:cNvPr id="2" name="Title 1"/>
-          <p:cNvSpPr>
-            <a:spLocks noGrp="1"/>
-          </p:cNvSpPr>
-          <p:nvPr>
-            <p:ph type="title"/>
-          </p:nvPr>
-        </p:nvSpPr>
-        <p:spPr>
-          <a:xfrm>
-            <a:off x="1638184" y="0"/>
-            <a:ext cx="8911687" cy="1280890"/>
-          </a:xfrm>
-        </p:spPr>
-        <p:txBody>
-          <a:bodyPr/>
-          <a:lstStyle/>
-          <a:p>
-            <a:r>
-              <a:rPr lang="en-IN" dirty="0" smtClean="0"/>
-              <a:t>GET QUOTE ACTIVITY</a:t>
-            </a:r>
-            <a:endParaRPr lang="en-IN" dirty="0"/>
-          </a:p>
-        </p:txBody>
-      </p:sp>
-      <p:pic>
-        <p:nvPicPr>
-          <p:cNvPr id="4" name="Content Placeholder 3"/>
-          <p:cNvPicPr>
-            <a:picLocks noGrp="1" noChangeAspect="1"/>
-          </p:cNvPicPr>
-          <p:nvPr>
-            <p:ph idx="1"/>
-          </p:nvPr>
-        </p:nvPicPr>
-        <p:blipFill rotWithShape="1">
-          <a:blip r:embed="rId2">
-            <a:extLst>
-              <a:ext uri="{28A0092B-C50C-407E-A947-70E740481C1C}">
-                <a14:useLocalDpi xmlns:a14="http://schemas.microsoft.com/office/drawing/2010/main" val="0"/>
-              </a:ext>
-            </a:extLst>
-          </a:blip>
-          <a:srcRect r="3861" b="5930"/>
-          <a:stretch/>
-        </p:blipFill>
-        <p:spPr>
-          <a:xfrm>
-            <a:off x="1638185" y="645458"/>
-            <a:ext cx="10480614" cy="6212541"/>
-          </a:xfrm>
-        </p:spPr>
-      </p:pic>
-    </p:spTree>
-    <p:extLst>
-      <p:ext uri="{BB962C8B-B14F-4D97-AF65-F5344CB8AC3E}">
-        <p14:creationId xmlns:p14="http://schemas.microsoft.com/office/powerpoint/2010/main" val="1844137969"/>
-      </p:ext>
-    </p:extLst>
-  </p:cSld>
-  <p:clrMapOvr>
-    <a:masterClrMapping/>
-  </p:clrMapOvr>
-  <p:timing>
-    <p:tnLst>
-      <p:par>
-        <p:cTn id="1" dur="indefinite" restart="never" nodeType="tmRoot"/>
-      </p:par>
-    </p:tnLst>
-  </p:timing>
 </p:sld>
 </file>
 
